--- a/Vendor_Boards/Great_Cow_Basic_Demo_Board/18Fx6q20_ChipRange_Demonstrations/tutorials/GCBASIC_Part1_AS7272.pptx
+++ b/Vendor_Boards/Great_Cow_Basic_Demo_Board/18Fx6q20_ChipRange_Demonstrations/tutorials/GCBASIC_Part1_AS7272.pptx
@@ -196,7 +196,7 @@
             <a:fld id="{742E545A-AB39-44F0-B5A6-04A90C6C9399}" type="datetimeFigureOut">
               <a:rPr lang="en-GB" smtClean="0"/>
               <a:pPr/>
-              <a:t>24/04/2024</a:t>
+              <a:t>25/04/2024</a:t>
             </a:fld>
             <a:endParaRPr lang="en-GB"/>
           </a:p>
@@ -363,7 +363,7 @@
             <a:fld id="{FF100B3C-2E11-428B-8555-A77018253716}" type="datetimeFigureOut">
               <a:rPr lang="en-GB" smtClean="0"/>
               <a:pPr/>
-              <a:t>24/04/2024</a:t>
+              <a:t>25/04/2024</a:t>
             </a:fld>
             <a:endParaRPr lang="en-GB"/>
           </a:p>
@@ -816,7 +816,7 @@
             <a:fld id="{C473AACB-D821-4991-9D88-46EB8D29E619}" type="datetimeFigureOut">
               <a:rPr lang="en-GB" smtClean="0"/>
               <a:pPr/>
-              <a:t>24/04/2024</a:t>
+              <a:t>25/04/2024</a:t>
             </a:fld>
             <a:endParaRPr lang="en-GB" dirty="0"/>
           </a:p>
@@ -984,7 +984,7 @@
             <a:fld id="{C473AACB-D821-4991-9D88-46EB8D29E619}" type="datetimeFigureOut">
               <a:rPr lang="en-GB" smtClean="0"/>
               <a:pPr/>
-              <a:t>24/04/2024</a:t>
+              <a:t>25/04/2024</a:t>
             </a:fld>
             <a:endParaRPr lang="en-GB" dirty="0"/>
           </a:p>
@@ -1162,7 +1162,7 @@
             <a:fld id="{C473AACB-D821-4991-9D88-46EB8D29E619}" type="datetimeFigureOut">
               <a:rPr lang="en-GB" smtClean="0"/>
               <a:pPr/>
-              <a:t>24/04/2024</a:t>
+              <a:t>25/04/2024</a:t>
             </a:fld>
             <a:endParaRPr lang="en-GB" dirty="0"/>
           </a:p>
@@ -1330,7 +1330,7 @@
             <a:fld id="{C473AACB-D821-4991-9D88-46EB8D29E619}" type="datetimeFigureOut">
               <a:rPr lang="en-GB" smtClean="0"/>
               <a:pPr/>
-              <a:t>24/04/2024</a:t>
+              <a:t>25/04/2024</a:t>
             </a:fld>
             <a:endParaRPr lang="en-GB" dirty="0"/>
           </a:p>
@@ -1574,7 +1574,7 @@
             <a:fld id="{C473AACB-D821-4991-9D88-46EB8D29E619}" type="datetimeFigureOut">
               <a:rPr lang="en-GB" smtClean="0"/>
               <a:pPr/>
-              <a:t>24/04/2024</a:t>
+              <a:t>25/04/2024</a:t>
             </a:fld>
             <a:endParaRPr lang="en-GB" dirty="0"/>
           </a:p>
@@ -1860,7 +1860,7 @@
             <a:fld id="{C473AACB-D821-4991-9D88-46EB8D29E619}" type="datetimeFigureOut">
               <a:rPr lang="en-GB" smtClean="0"/>
               <a:pPr/>
-              <a:t>24/04/2024</a:t>
+              <a:t>25/04/2024</a:t>
             </a:fld>
             <a:endParaRPr lang="en-GB" dirty="0"/>
           </a:p>
@@ -2285,7 +2285,7 @@
             <a:fld id="{C473AACB-D821-4991-9D88-46EB8D29E619}" type="datetimeFigureOut">
               <a:rPr lang="en-GB" smtClean="0"/>
               <a:pPr/>
-              <a:t>24/04/2024</a:t>
+              <a:t>25/04/2024</a:t>
             </a:fld>
             <a:endParaRPr lang="en-GB" dirty="0"/>
           </a:p>
@@ -2401,7 +2401,7 @@
             <a:fld id="{C473AACB-D821-4991-9D88-46EB8D29E619}" type="datetimeFigureOut">
               <a:rPr lang="en-GB" smtClean="0"/>
               <a:pPr/>
-              <a:t>24/04/2024</a:t>
+              <a:t>25/04/2024</a:t>
             </a:fld>
             <a:endParaRPr lang="en-GB" dirty="0"/>
           </a:p>
@@ -2494,7 +2494,7 @@
             <a:fld id="{C473AACB-D821-4991-9D88-46EB8D29E619}" type="datetimeFigureOut">
               <a:rPr lang="en-GB" smtClean="0"/>
               <a:pPr/>
-              <a:t>24/04/2024</a:t>
+              <a:t>25/04/2024</a:t>
             </a:fld>
             <a:endParaRPr lang="en-GB" dirty="0"/>
           </a:p>
@@ -2769,7 +2769,7 @@
             <a:fld id="{C473AACB-D821-4991-9D88-46EB8D29E619}" type="datetimeFigureOut">
               <a:rPr lang="en-GB" smtClean="0"/>
               <a:pPr/>
-              <a:t>24/04/2024</a:t>
+              <a:t>25/04/2024</a:t>
             </a:fld>
             <a:endParaRPr lang="en-GB" dirty="0"/>
           </a:p>
@@ -3020,7 +3020,7 @@
             <a:fld id="{C473AACB-D821-4991-9D88-46EB8D29E619}" type="datetimeFigureOut">
               <a:rPr lang="en-GB" smtClean="0"/>
               <a:pPr/>
-              <a:t>24/04/2024</a:t>
+              <a:t>25/04/2024</a:t>
             </a:fld>
             <a:endParaRPr lang="en-GB" dirty="0"/>
           </a:p>
@@ -3231,7 +3231,7 @@
             <a:fld id="{C473AACB-D821-4991-9D88-46EB8D29E619}" type="datetimeFigureOut">
               <a:rPr lang="en-GB" smtClean="0"/>
               <a:pPr/>
-              <a:t>24/04/2024</a:t>
+              <a:t>25/04/2024</a:t>
             </a:fld>
             <a:endParaRPr lang="en-GB" dirty="0"/>
           </a:p>
@@ -3624,17 +3624,13 @@
               <a:rPr lang="en-GB" dirty="0" smtClean="0"/>
               <a:t>GCBASIC</a:t>
             </a:r>
+            <a:r>
+              <a:rPr lang="en-GB" smtClean="0"/>
+              <a:t/>
+            </a:r>
             <a:br>
-              <a:rPr lang="en-GB" dirty="0" smtClean="0"/>
+              <a:rPr lang="en-GB" smtClean="0"/>
             </a:br>
-            <a:r>
-              <a:rPr lang="en-GB" dirty="0" smtClean="0"/>
-              <a:t>Part </a:t>
-            </a:r>
-            <a:r>
-              <a:rPr lang="en-GB" dirty="0" smtClean="0"/>
-              <a:t>2</a:t>
-            </a:r>
             <a:endParaRPr lang="en-GB" dirty="0"/>
           </a:p>
         </p:txBody>
